--- a/MSC_Marc_tutorial/20220407_Marc_tutorial_2D.pptx
+++ b/MSC_Marc_tutorial/20220407_Marc_tutorial_2D.pptx
@@ -7125,23 +7125,7 @@
           <a:p>
             <a:r>
               <a:rPr lang="ja-JP" altLang="en-US" dirty="0"/>
-              <a:t>新規</a:t>
-            </a:r>
-            <a:r>
-              <a:rPr lang="en-US" altLang="ja-JP" dirty="0"/>
-              <a:t>(</a:t>
-            </a:r>
-            <a:r>
-              <a:rPr lang="ja-JP" altLang="en-US" dirty="0"/>
-              <a:t>構造</a:t>
-            </a:r>
-            <a:r>
-              <a:rPr lang="en-US" altLang="ja-JP" dirty="0"/>
-              <a:t>)</a:t>
-            </a:r>
-            <a:r>
-              <a:rPr lang="ja-JP" altLang="en-US" dirty="0"/>
-              <a:t> </a:t>
+              <a:t>新規 </a:t>
             </a:r>
             <a:r>
               <a:rPr lang="en-US" altLang="ja-JP" dirty="0"/>
@@ -7149,7 +7133,7 @@
             </a:r>
             <a:r>
               <a:rPr lang="ja-JP" altLang="en-US" dirty="0"/>
-              <a:t>変位指定</a:t>
+              <a:t>エッジ荷重</a:t>
             </a:r>
             <a:endParaRPr lang="en-US" altLang="ja-JP" dirty="0"/>
           </a:p>
@@ -7597,7 +7581,7 @@
         </p:nvSpPr>
         <p:spPr>
           <a:xfrm>
-            <a:off x="412459" y="2750941"/>
+            <a:off x="418935" y="3711214"/>
             <a:ext cx="792481" cy="274321"/>
           </a:xfrm>
           <a:prstGeom prst="rect">
@@ -7842,8 +7826,8 @@
         </p:blipFill>
         <p:spPr>
           <a:xfrm>
-            <a:off x="412459" y="1503947"/>
-            <a:ext cx="4818952" cy="4267747"/>
+            <a:off x="2480707" y="2187681"/>
+            <a:ext cx="4147236" cy="3672864"/>
           </a:xfrm>
           <a:prstGeom prst="rect">
             <a:avLst/>
@@ -8033,8 +8017,8 @@
         </p:blipFill>
         <p:spPr>
           <a:xfrm>
-            <a:off x="5772004" y="1503947"/>
-            <a:ext cx="4878985" cy="4267747"/>
+            <a:off x="7134410" y="2187681"/>
+            <a:ext cx="4198901" cy="3672864"/>
           </a:xfrm>
           <a:prstGeom prst="rect">
             <a:avLst/>
@@ -8055,8 +8039,8 @@
         </p:nvSpPr>
         <p:spPr>
           <a:xfrm>
-            <a:off x="8710863" y="4237419"/>
-            <a:ext cx="2176971" cy="363458"/>
+            <a:off x="9711293" y="4558406"/>
+            <a:ext cx="1632982" cy="299344"/>
           </a:xfrm>
           <a:prstGeom prst="rect">
             <a:avLst/>
@@ -8107,8 +8091,90 @@
         </p:nvSpPr>
         <p:spPr>
           <a:xfrm>
-            <a:off x="3349593" y="2685448"/>
-            <a:ext cx="442762" cy="1963554"/>
+            <a:off x="4957011" y="3181349"/>
+            <a:ext cx="381045" cy="1689853"/>
+          </a:xfrm>
+          <a:prstGeom prst="rect">
+            <a:avLst/>
+          </a:prstGeom>
+          <a:noFill/>
+          <a:ln w="38100">
+            <a:solidFill>
+              <a:srgbClr val="FF0000"/>
+            </a:solidFill>
+          </a:ln>
+        </p:spPr>
+        <p:style>
+          <a:lnRef idx="2">
+            <a:schemeClr val="accent1">
+              <a:shade val="50000"/>
+            </a:schemeClr>
+          </a:lnRef>
+          <a:fillRef idx="1">
+            <a:schemeClr val="accent1"/>
+          </a:fillRef>
+          <a:effectRef idx="0">
+            <a:schemeClr val="accent1"/>
+          </a:effectRef>
+          <a:fontRef idx="minor">
+            <a:schemeClr val="lt1"/>
+          </a:fontRef>
+        </p:style>
+        <p:txBody>
+          <a:bodyPr rtlCol="0" anchor="ctr"/>
+          <a:lstStyle/>
+          <a:p>
+            <a:pPr algn="ctr"/>
+            <a:endParaRPr kumimoji="1" lang="ja-JP" altLang="en-US"/>
+          </a:p>
+        </p:txBody>
+      </p:sp>
+      <p:pic>
+        <p:nvPicPr>
+          <p:cNvPr id="14" name="図 13">
+            <a:extLst>
+              <a:ext uri="{FF2B5EF4-FFF2-40B4-BE49-F238E27FC236}">
+                <a16:creationId xmlns:a16="http://schemas.microsoft.com/office/drawing/2014/main" id="{590063EC-41DF-473A-AACF-DC60953FB5DE}"/>
+              </a:ext>
+            </a:extLst>
+          </p:cNvPr>
+          <p:cNvPicPr>
+            <a:picLocks noChangeAspect="1"/>
+          </p:cNvPicPr>
+          <p:nvPr/>
+        </p:nvPicPr>
+        <p:blipFill>
+          <a:blip r:embed="rId4"/>
+          <a:stretch>
+            <a:fillRect/>
+          </a:stretch>
+        </p:blipFill>
+        <p:spPr>
+          <a:xfrm>
+            <a:off x="230528" y="1834235"/>
+            <a:ext cx="2059004" cy="4287664"/>
+          </a:xfrm>
+          <a:prstGeom prst="rect">
+            <a:avLst/>
+          </a:prstGeom>
+        </p:spPr>
+      </p:pic>
+      <p:sp>
+        <p:nvSpPr>
+          <p:cNvPr id="15" name="正方形/長方形 14">
+            <a:extLst>
+              <a:ext uri="{FF2B5EF4-FFF2-40B4-BE49-F238E27FC236}">
+                <a16:creationId xmlns:a16="http://schemas.microsoft.com/office/drawing/2014/main" id="{54F2FF1C-13EA-4046-ABC3-C43742645C45}"/>
+              </a:ext>
+            </a:extLst>
+          </p:cNvPr>
+          <p:cNvSpPr/>
+          <p:nvPr/>
+        </p:nvSpPr>
+        <p:spPr>
+          <a:xfrm>
+            <a:off x="393957" y="2303266"/>
+            <a:ext cx="792481" cy="274321"/>
           </a:xfrm>
           <a:prstGeom prst="rect">
             <a:avLst/>
@@ -12138,53 +12204,6 @@
           <a:chExt cx="0" cy="0"/>
         </a:xfrm>
       </p:grpSpPr>
-      <p:cxnSp>
-        <p:nvCxnSpPr>
-          <p:cNvPr id="18" name="直線コネクタ 17">
-            <a:extLst>
-              <a:ext uri="{FF2B5EF4-FFF2-40B4-BE49-F238E27FC236}">
-                <a16:creationId xmlns:a16="http://schemas.microsoft.com/office/drawing/2014/main" id="{074AC53A-7D2C-4069-9419-46B00DA3F126}"/>
-              </a:ext>
-            </a:extLst>
-          </p:cNvPr>
-          <p:cNvCxnSpPr>
-            <a:cxnSpLocks/>
-          </p:cNvCxnSpPr>
-          <p:nvPr/>
-        </p:nvCxnSpPr>
-        <p:spPr>
-          <a:xfrm>
-            <a:off x="6096000" y="0"/>
-            <a:ext cx="0" cy="6858000"/>
-          </a:xfrm>
-          <a:prstGeom prst="line">
-            <a:avLst/>
-          </a:prstGeom>
-          <a:ln w="19050" cap="flat" cmpd="sng" algn="ctr">
-            <a:solidFill>
-              <a:schemeClr val="dk1"/>
-            </a:solidFill>
-            <a:prstDash val="dash"/>
-            <a:round/>
-            <a:headEnd type="none" w="med" len="med"/>
-            <a:tailEnd type="none" w="med" len="med"/>
-          </a:ln>
-        </p:spPr>
-        <p:style>
-          <a:lnRef idx="0">
-            <a:scrgbClr r="0" g="0" b="0"/>
-          </a:lnRef>
-          <a:fillRef idx="0">
-            <a:scrgbClr r="0" g="0" b="0"/>
-          </a:fillRef>
-          <a:effectRef idx="0">
-            <a:scrgbClr r="0" g="0" b="0"/>
-          </a:effectRef>
-          <a:fontRef idx="minor">
-            <a:schemeClr val="tx1"/>
-          </a:fontRef>
-        </p:style>
-      </p:cxnSp>
       <p:sp>
         <p:nvSpPr>
           <p:cNvPr id="3" name="正方形/長方形 2">
@@ -12324,7 +12343,7 @@
         </p:nvSpPr>
         <p:spPr>
           <a:xfrm>
-            <a:off x="412456" y="1510769"/>
+            <a:off x="361352" y="950126"/>
             <a:ext cx="5822551" cy="369332"/>
           </a:xfrm>
           <a:prstGeom prst="rect">
@@ -12346,6 +12365,1223 @@
           </a:p>
         </p:txBody>
       </p:sp>
+      <p:grpSp>
+        <p:nvGrpSpPr>
+          <p:cNvPr id="2" name="グループ化 1">
+            <a:extLst>
+              <a:ext uri="{FF2B5EF4-FFF2-40B4-BE49-F238E27FC236}">
+                <a16:creationId xmlns:a16="http://schemas.microsoft.com/office/drawing/2014/main" id="{43AFBC27-4F48-44CA-A1A2-CFD6455FB69E}"/>
+              </a:ext>
+            </a:extLst>
+          </p:cNvPr>
+          <p:cNvGrpSpPr/>
+          <p:nvPr/>
+        </p:nvGrpSpPr>
+        <p:grpSpPr>
+          <a:xfrm>
+            <a:off x="361352" y="1844439"/>
+            <a:ext cx="5148718" cy="4223607"/>
+            <a:chOff x="1578996" y="2082566"/>
+            <a:chExt cx="2967023" cy="2433914"/>
+          </a:xfrm>
+        </p:grpSpPr>
+        <p:grpSp>
+          <p:nvGrpSpPr>
+            <p:cNvPr id="7" name="object 2">
+              <a:extLst>
+                <a:ext uri="{FF2B5EF4-FFF2-40B4-BE49-F238E27FC236}">
+                  <a16:creationId xmlns:a16="http://schemas.microsoft.com/office/drawing/2014/main" id="{0C2CF860-00EE-42E3-AA9F-BECED7C61A7F}"/>
+                </a:ext>
+              </a:extLst>
+            </p:cNvPr>
+            <p:cNvGrpSpPr/>
+            <p:nvPr/>
+          </p:nvGrpSpPr>
+          <p:grpSpPr>
+            <a:xfrm>
+              <a:off x="1599627" y="3978428"/>
+              <a:ext cx="313055" cy="309245"/>
+              <a:chOff x="128635" y="2003854"/>
+              <a:chExt cx="313055" cy="309245"/>
+            </a:xfrm>
+          </p:grpSpPr>
+          <p:sp>
+            <p:nvSpPr>
+              <p:cNvPr id="8" name="object 3">
+                <a:extLst>
+                  <a:ext uri="{FF2B5EF4-FFF2-40B4-BE49-F238E27FC236}">
+                    <a16:creationId xmlns:a16="http://schemas.microsoft.com/office/drawing/2014/main" id="{FE831056-2D07-4550-8FA5-93D9D76DF1CC}"/>
+                  </a:ext>
+                </a:extLst>
+              </p:cNvPr>
+              <p:cNvSpPr/>
+              <p:nvPr/>
+            </p:nvSpPr>
+            <p:spPr>
+              <a:xfrm>
+                <a:off x="149768" y="2291431"/>
+                <a:ext cx="264795" cy="0"/>
+              </a:xfrm>
+              <a:custGeom>
+                <a:avLst/>
+                <a:gdLst/>
+                <a:ahLst/>
+                <a:cxnLst/>
+                <a:rect l="l" t="t" r="r" b="b"/>
+                <a:pathLst>
+                  <a:path w="264795">
+                    <a:moveTo>
+                      <a:pt x="0" y="0"/>
+                    </a:moveTo>
+                    <a:lnTo>
+                      <a:pt x="264579" y="0"/>
+                    </a:lnTo>
+                  </a:path>
+                </a:pathLst>
+              </a:custGeom>
+              <a:ln w="6350">
+                <a:solidFill>
+                  <a:srgbClr val="221815"/>
+                </a:solidFill>
+              </a:ln>
+            </p:spPr>
+            <p:txBody>
+              <a:bodyPr wrap="square" lIns="0" tIns="0" rIns="0" bIns="0" rtlCol="0"/>
+              <a:lstStyle/>
+              <a:p>
+                <a:endParaRPr/>
+              </a:p>
+            </p:txBody>
+          </p:sp>
+          <p:sp>
+            <p:nvSpPr>
+              <p:cNvPr id="10" name="object 4">
+                <a:extLst>
+                  <a:ext uri="{FF2B5EF4-FFF2-40B4-BE49-F238E27FC236}">
+                    <a16:creationId xmlns:a16="http://schemas.microsoft.com/office/drawing/2014/main" id="{B185EEDE-81B8-4BAF-B4AA-D2FE073D278E}"/>
+                  </a:ext>
+                </a:extLst>
+              </p:cNvPr>
+              <p:cNvSpPr/>
+              <p:nvPr/>
+            </p:nvSpPr>
+            <p:spPr>
+              <a:xfrm>
+                <a:off x="403171" y="2270299"/>
+                <a:ext cx="38100" cy="42545"/>
+              </a:xfrm>
+              <a:custGeom>
+                <a:avLst/>
+                <a:gdLst/>
+                <a:ahLst/>
+                <a:cxnLst/>
+                <a:rect l="l" t="t" r="r" b="b"/>
+                <a:pathLst>
+                  <a:path w="38100" h="42544">
+                    <a:moveTo>
+                      <a:pt x="0" y="0"/>
+                    </a:moveTo>
+                    <a:lnTo>
+                      <a:pt x="7658" y="21132"/>
+                    </a:lnTo>
+                    <a:lnTo>
+                      <a:pt x="0" y="42278"/>
+                    </a:lnTo>
+                    <a:lnTo>
+                      <a:pt x="8260" y="36059"/>
+                    </a:lnTo>
+                    <a:lnTo>
+                      <a:pt x="17908" y="30286"/>
+                    </a:lnTo>
+                    <a:lnTo>
+                      <a:pt x="28101" y="25222"/>
+                    </a:lnTo>
+                    <a:lnTo>
+                      <a:pt x="37998" y="21132"/>
+                    </a:lnTo>
+                    <a:lnTo>
+                      <a:pt x="28101" y="17048"/>
+                    </a:lnTo>
+                    <a:lnTo>
+                      <a:pt x="17908" y="11985"/>
+                    </a:lnTo>
+                    <a:lnTo>
+                      <a:pt x="8260" y="6213"/>
+                    </a:lnTo>
+                    <a:lnTo>
+                      <a:pt x="0" y="0"/>
+                    </a:lnTo>
+                    <a:close/>
+                  </a:path>
+                </a:pathLst>
+              </a:custGeom>
+              <a:solidFill>
+                <a:srgbClr val="221815"/>
+              </a:solidFill>
+            </p:spPr>
+            <p:txBody>
+              <a:bodyPr wrap="square" lIns="0" tIns="0" rIns="0" bIns="0" rtlCol="0"/>
+              <a:lstStyle/>
+              <a:p>
+                <a:endParaRPr/>
+              </a:p>
+            </p:txBody>
+          </p:sp>
+          <p:sp>
+            <p:nvSpPr>
+              <p:cNvPr id="12" name="object 5">
+                <a:extLst>
+                  <a:ext uri="{FF2B5EF4-FFF2-40B4-BE49-F238E27FC236}">
+                    <a16:creationId xmlns:a16="http://schemas.microsoft.com/office/drawing/2014/main" id="{CA91EE53-8272-4719-A291-DEB1E4C2D196}"/>
+                  </a:ext>
+                </a:extLst>
+              </p:cNvPr>
+              <p:cNvSpPr/>
+              <p:nvPr/>
+            </p:nvSpPr>
+            <p:spPr>
+              <a:xfrm>
+                <a:off x="149768" y="2030675"/>
+                <a:ext cx="0" cy="260985"/>
+              </a:xfrm>
+              <a:custGeom>
+                <a:avLst/>
+                <a:gdLst/>
+                <a:ahLst/>
+                <a:cxnLst/>
+                <a:rect l="l" t="t" r="r" b="b"/>
+                <a:pathLst>
+                  <a:path h="260985">
+                    <a:moveTo>
+                      <a:pt x="0" y="260756"/>
+                    </a:moveTo>
+                    <a:lnTo>
+                      <a:pt x="0" y="0"/>
+                    </a:lnTo>
+                  </a:path>
+                </a:pathLst>
+              </a:custGeom>
+              <a:ln w="6350">
+                <a:solidFill>
+                  <a:srgbClr val="221815"/>
+                </a:solidFill>
+              </a:ln>
+            </p:spPr>
+            <p:txBody>
+              <a:bodyPr wrap="square" lIns="0" tIns="0" rIns="0" bIns="0" rtlCol="0"/>
+              <a:lstStyle/>
+              <a:p>
+                <a:endParaRPr/>
+              </a:p>
+            </p:txBody>
+          </p:sp>
+          <p:sp>
+            <p:nvSpPr>
+              <p:cNvPr id="13" name="object 6">
+                <a:extLst>
+                  <a:ext uri="{FF2B5EF4-FFF2-40B4-BE49-F238E27FC236}">
+                    <a16:creationId xmlns:a16="http://schemas.microsoft.com/office/drawing/2014/main" id="{0EAA5012-5D1F-4F19-B3D4-BC8339F2382E}"/>
+                  </a:ext>
+                </a:extLst>
+              </p:cNvPr>
+              <p:cNvSpPr/>
+              <p:nvPr/>
+            </p:nvSpPr>
+            <p:spPr>
+              <a:xfrm>
+                <a:off x="128635" y="2003854"/>
+                <a:ext cx="42545" cy="38100"/>
+              </a:xfrm>
+              <a:custGeom>
+                <a:avLst/>
+                <a:gdLst/>
+                <a:ahLst/>
+                <a:cxnLst/>
+                <a:rect l="l" t="t" r="r" b="b"/>
+                <a:pathLst>
+                  <a:path w="42544" h="38100">
+                    <a:moveTo>
+                      <a:pt x="21132" y="0"/>
+                    </a:moveTo>
+                    <a:lnTo>
+                      <a:pt x="17048" y="9896"/>
+                    </a:lnTo>
+                    <a:lnTo>
+                      <a:pt x="11985" y="20089"/>
+                    </a:lnTo>
+                    <a:lnTo>
+                      <a:pt x="6213" y="29737"/>
+                    </a:lnTo>
+                    <a:lnTo>
+                      <a:pt x="0" y="37998"/>
+                    </a:lnTo>
+                    <a:lnTo>
+                      <a:pt x="21132" y="30353"/>
+                    </a:lnTo>
+                    <a:lnTo>
+                      <a:pt x="42278" y="37998"/>
+                    </a:lnTo>
+                    <a:lnTo>
+                      <a:pt x="36059" y="29737"/>
+                    </a:lnTo>
+                    <a:lnTo>
+                      <a:pt x="30286" y="20089"/>
+                    </a:lnTo>
+                    <a:lnTo>
+                      <a:pt x="25222" y="9896"/>
+                    </a:lnTo>
+                    <a:lnTo>
+                      <a:pt x="21132" y="0"/>
+                    </a:lnTo>
+                    <a:close/>
+                  </a:path>
+                </a:pathLst>
+              </a:custGeom>
+              <a:solidFill>
+                <a:srgbClr val="221815"/>
+              </a:solidFill>
+            </p:spPr>
+            <p:txBody>
+              <a:bodyPr wrap="square" lIns="0" tIns="0" rIns="0" bIns="0" rtlCol="0"/>
+              <a:lstStyle/>
+              <a:p>
+                <a:endParaRPr/>
+              </a:p>
+            </p:txBody>
+          </p:sp>
+        </p:grpSp>
+        <p:pic>
+          <p:nvPicPr>
+            <p:cNvPr id="14" name="object 7">
+              <a:extLst>
+                <a:ext uri="{FF2B5EF4-FFF2-40B4-BE49-F238E27FC236}">
+                  <a16:creationId xmlns:a16="http://schemas.microsoft.com/office/drawing/2014/main" id="{15AF4C6C-DA59-4471-AB7C-9549C8606F96}"/>
+                </a:ext>
+              </a:extLst>
+            </p:cNvPr>
+            <p:cNvPicPr/>
+            <p:nvPr/>
+          </p:nvPicPr>
+          <p:blipFill>
+            <a:blip r:embed="rId2" cstate="print"/>
+            <a:stretch>
+              <a:fillRect/>
+            </a:stretch>
+          </p:blipFill>
+          <p:spPr>
+            <a:xfrm>
+              <a:off x="2223696" y="2082566"/>
+              <a:ext cx="2322323" cy="2433914"/>
+            </a:xfrm>
+            <a:prstGeom prst="rect">
+              <a:avLst/>
+            </a:prstGeom>
+          </p:spPr>
+        </p:pic>
+        <p:pic>
+          <p:nvPicPr>
+            <p:cNvPr id="15" name="object 8">
+              <a:extLst>
+                <a:ext uri="{FF2B5EF4-FFF2-40B4-BE49-F238E27FC236}">
+                  <a16:creationId xmlns:a16="http://schemas.microsoft.com/office/drawing/2014/main" id="{6DAEEA92-D87C-43A7-915B-D357F09CDD0D}"/>
+                </a:ext>
+              </a:extLst>
+            </p:cNvPr>
+            <p:cNvPicPr/>
+            <p:nvPr/>
+          </p:nvPicPr>
+          <p:blipFill>
+            <a:blip r:embed="rId3" cstate="print"/>
+            <a:stretch>
+              <a:fillRect/>
+            </a:stretch>
+          </p:blipFill>
+          <p:spPr>
+            <a:xfrm>
+              <a:off x="1578996" y="3608730"/>
+              <a:ext cx="234340" cy="92549"/>
+            </a:xfrm>
+            <a:prstGeom prst="rect">
+              <a:avLst/>
+            </a:prstGeom>
+          </p:spPr>
+        </p:pic>
+        <p:sp>
+          <p:nvSpPr>
+            <p:cNvPr id="16" name="object 9">
+              <a:extLst>
+                <a:ext uri="{FF2B5EF4-FFF2-40B4-BE49-F238E27FC236}">
+                  <a16:creationId xmlns:a16="http://schemas.microsoft.com/office/drawing/2014/main" id="{03EA51C0-3AEA-459F-8070-C05A72754469}"/>
+                </a:ext>
+              </a:extLst>
+            </p:cNvPr>
+            <p:cNvSpPr/>
+            <p:nvPr/>
+          </p:nvSpPr>
+          <p:spPr>
+            <a:xfrm>
+              <a:off x="1860982" y="3638473"/>
+              <a:ext cx="15240" cy="62865"/>
+            </a:xfrm>
+            <a:custGeom>
+              <a:avLst/>
+              <a:gdLst/>
+              <a:ahLst/>
+              <a:cxnLst/>
+              <a:rect l="l" t="t" r="r" b="b"/>
+              <a:pathLst>
+                <a:path w="15239" h="62864">
+                  <a:moveTo>
+                    <a:pt x="11290" y="47663"/>
+                  </a:moveTo>
+                  <a:lnTo>
+                    <a:pt x="3314" y="47663"/>
+                  </a:lnTo>
+                  <a:lnTo>
+                    <a:pt x="0" y="51117"/>
+                  </a:lnTo>
+                  <a:lnTo>
+                    <a:pt x="0" y="59080"/>
+                  </a:lnTo>
+                  <a:lnTo>
+                    <a:pt x="3314" y="62395"/>
+                  </a:lnTo>
+                  <a:lnTo>
+                    <a:pt x="11290" y="62395"/>
+                  </a:lnTo>
+                  <a:lnTo>
+                    <a:pt x="14731" y="59080"/>
+                  </a:lnTo>
+                  <a:lnTo>
+                    <a:pt x="14731" y="51117"/>
+                  </a:lnTo>
+                  <a:lnTo>
+                    <a:pt x="11290" y="47663"/>
+                  </a:lnTo>
+                  <a:close/>
+                </a:path>
+                <a:path w="15239" h="62864">
+                  <a:moveTo>
+                    <a:pt x="11290" y="0"/>
+                  </a:moveTo>
+                  <a:lnTo>
+                    <a:pt x="3314" y="0"/>
+                  </a:lnTo>
+                  <a:lnTo>
+                    <a:pt x="0" y="3454"/>
+                  </a:lnTo>
+                  <a:lnTo>
+                    <a:pt x="0" y="11417"/>
+                  </a:lnTo>
+                  <a:lnTo>
+                    <a:pt x="3314" y="14732"/>
+                  </a:lnTo>
+                  <a:lnTo>
+                    <a:pt x="11290" y="14732"/>
+                  </a:lnTo>
+                  <a:lnTo>
+                    <a:pt x="14731" y="11417"/>
+                  </a:lnTo>
+                  <a:lnTo>
+                    <a:pt x="14731" y="3454"/>
+                  </a:lnTo>
+                  <a:lnTo>
+                    <a:pt x="11290" y="0"/>
+                  </a:lnTo>
+                  <a:close/>
+                </a:path>
+              </a:pathLst>
+            </a:custGeom>
+            <a:solidFill>
+              <a:srgbClr val="040000"/>
+            </a:solidFill>
+          </p:spPr>
+          <p:txBody>
+            <a:bodyPr wrap="square" lIns="0" tIns="0" rIns="0" bIns="0" rtlCol="0"/>
+            <a:lstStyle/>
+            <a:p>
+              <a:endParaRPr/>
+            </a:p>
+          </p:txBody>
+        </p:sp>
+        <p:sp>
+          <p:nvSpPr>
+            <p:cNvPr id="17" name="object 10">
+              <a:extLst>
+                <a:ext uri="{FF2B5EF4-FFF2-40B4-BE49-F238E27FC236}">
+                  <a16:creationId xmlns:a16="http://schemas.microsoft.com/office/drawing/2014/main" id="{1BD6F146-6AC6-49B2-89EB-C5AD1233612E}"/>
+                </a:ext>
+              </a:extLst>
+            </p:cNvPr>
+            <p:cNvSpPr/>
+            <p:nvPr/>
+          </p:nvSpPr>
+          <p:spPr>
+            <a:xfrm>
+              <a:off x="1923594" y="3638350"/>
+              <a:ext cx="204470" cy="61594"/>
+            </a:xfrm>
+            <a:custGeom>
+              <a:avLst/>
+              <a:gdLst/>
+              <a:ahLst/>
+              <a:cxnLst/>
+              <a:rect l="l" t="t" r="r" b="b"/>
+              <a:pathLst>
+                <a:path w="204470" h="61594">
+                  <a:moveTo>
+                    <a:pt x="100774" y="59080"/>
+                  </a:moveTo>
+                  <a:lnTo>
+                    <a:pt x="93332" y="58547"/>
+                  </a:lnTo>
+                  <a:lnTo>
+                    <a:pt x="91605" y="56159"/>
+                  </a:lnTo>
+                  <a:lnTo>
+                    <a:pt x="91605" y="23634"/>
+                  </a:lnTo>
+                  <a:lnTo>
+                    <a:pt x="90639" y="13322"/>
+                  </a:lnTo>
+                  <a:lnTo>
+                    <a:pt x="87744" y="5943"/>
+                  </a:lnTo>
+                  <a:lnTo>
+                    <a:pt x="82931" y="1485"/>
+                  </a:lnTo>
+                  <a:lnTo>
+                    <a:pt x="76212" y="0"/>
+                  </a:lnTo>
+                  <a:lnTo>
+                    <a:pt x="68503" y="0"/>
+                  </a:lnTo>
+                  <a:lnTo>
+                    <a:pt x="61734" y="3454"/>
+                  </a:lnTo>
+                  <a:lnTo>
+                    <a:pt x="54571" y="11150"/>
+                  </a:lnTo>
+                  <a:lnTo>
+                    <a:pt x="52171" y="3581"/>
+                  </a:lnTo>
+                  <a:lnTo>
+                    <a:pt x="47663" y="0"/>
+                  </a:lnTo>
+                  <a:lnTo>
+                    <a:pt x="34645" y="0"/>
+                  </a:lnTo>
+                  <a:lnTo>
+                    <a:pt x="30937" y="1854"/>
+                  </a:lnTo>
+                  <a:lnTo>
+                    <a:pt x="19913" y="10223"/>
+                  </a:lnTo>
+                  <a:lnTo>
+                    <a:pt x="19913" y="266"/>
+                  </a:lnTo>
+                  <a:lnTo>
+                    <a:pt x="18986" y="0"/>
+                  </a:lnTo>
+                  <a:lnTo>
+                    <a:pt x="12204" y="2514"/>
+                  </a:lnTo>
+                  <a:lnTo>
+                    <a:pt x="7696" y="3975"/>
+                  </a:lnTo>
+                  <a:lnTo>
+                    <a:pt x="393" y="5969"/>
+                  </a:lnTo>
+                  <a:lnTo>
+                    <a:pt x="393" y="8229"/>
+                  </a:lnTo>
+                  <a:lnTo>
+                    <a:pt x="3187" y="7696"/>
+                  </a:lnTo>
+                  <a:lnTo>
+                    <a:pt x="8089" y="7696"/>
+                  </a:lnTo>
+                  <a:lnTo>
+                    <a:pt x="9283" y="9817"/>
+                  </a:lnTo>
+                  <a:lnTo>
+                    <a:pt x="9283" y="56959"/>
+                  </a:lnTo>
+                  <a:lnTo>
+                    <a:pt x="7429" y="58953"/>
+                  </a:lnTo>
+                  <a:lnTo>
+                    <a:pt x="0" y="59080"/>
+                  </a:lnTo>
+                  <a:lnTo>
+                    <a:pt x="0" y="61074"/>
+                  </a:lnTo>
+                  <a:lnTo>
+                    <a:pt x="29476" y="61074"/>
+                  </a:lnTo>
+                  <a:lnTo>
+                    <a:pt x="29476" y="59080"/>
+                  </a:lnTo>
+                  <a:lnTo>
+                    <a:pt x="22428" y="58813"/>
+                  </a:lnTo>
+                  <a:lnTo>
+                    <a:pt x="20447" y="57353"/>
+                  </a:lnTo>
+                  <a:lnTo>
+                    <a:pt x="20447" y="14465"/>
+                  </a:lnTo>
+                  <a:lnTo>
+                    <a:pt x="22428" y="12217"/>
+                  </a:lnTo>
+                  <a:lnTo>
+                    <a:pt x="25755" y="9156"/>
+                  </a:lnTo>
+                  <a:lnTo>
+                    <a:pt x="31457" y="6896"/>
+                  </a:lnTo>
+                  <a:lnTo>
+                    <a:pt x="41948" y="6896"/>
+                  </a:lnTo>
+                  <a:lnTo>
+                    <a:pt x="44869" y="11544"/>
+                  </a:lnTo>
+                  <a:lnTo>
+                    <a:pt x="44869" y="57086"/>
+                  </a:lnTo>
+                  <a:lnTo>
+                    <a:pt x="43408" y="58547"/>
+                  </a:lnTo>
+                  <a:lnTo>
+                    <a:pt x="35839" y="59080"/>
+                  </a:lnTo>
+                  <a:lnTo>
+                    <a:pt x="35839" y="61074"/>
+                  </a:lnTo>
+                  <a:lnTo>
+                    <a:pt x="65582" y="61074"/>
+                  </a:lnTo>
+                  <a:lnTo>
+                    <a:pt x="65582" y="59080"/>
+                  </a:lnTo>
+                  <a:lnTo>
+                    <a:pt x="58013" y="58953"/>
+                  </a:lnTo>
+                  <a:lnTo>
+                    <a:pt x="56019" y="56692"/>
+                  </a:lnTo>
+                  <a:lnTo>
+                    <a:pt x="56019" y="14998"/>
+                  </a:lnTo>
+                  <a:lnTo>
+                    <a:pt x="60007" y="9296"/>
+                  </a:lnTo>
+                  <a:lnTo>
+                    <a:pt x="64389" y="6896"/>
+                  </a:lnTo>
+                  <a:lnTo>
+                    <a:pt x="78066" y="6896"/>
+                  </a:lnTo>
+                  <a:lnTo>
+                    <a:pt x="80454" y="10490"/>
+                  </a:lnTo>
+                  <a:lnTo>
+                    <a:pt x="80454" y="57086"/>
+                  </a:lnTo>
+                  <a:lnTo>
+                    <a:pt x="79400" y="58153"/>
+                  </a:lnTo>
+                  <a:lnTo>
+                    <a:pt x="71691" y="59080"/>
+                  </a:lnTo>
+                  <a:lnTo>
+                    <a:pt x="71691" y="61074"/>
+                  </a:lnTo>
+                  <a:lnTo>
+                    <a:pt x="100774" y="61074"/>
+                  </a:lnTo>
+                  <a:lnTo>
+                    <a:pt x="100774" y="59080"/>
+                  </a:lnTo>
+                  <a:close/>
+                </a:path>
+                <a:path w="204470" h="61594">
+                  <a:moveTo>
+                    <a:pt x="204076" y="59080"/>
+                  </a:moveTo>
+                  <a:lnTo>
+                    <a:pt x="196634" y="58547"/>
+                  </a:lnTo>
+                  <a:lnTo>
+                    <a:pt x="194906" y="56159"/>
+                  </a:lnTo>
+                  <a:lnTo>
+                    <a:pt x="194906" y="23634"/>
+                  </a:lnTo>
+                  <a:lnTo>
+                    <a:pt x="193941" y="13322"/>
+                  </a:lnTo>
+                  <a:lnTo>
+                    <a:pt x="191046" y="5943"/>
+                  </a:lnTo>
+                  <a:lnTo>
+                    <a:pt x="186232" y="1485"/>
+                  </a:lnTo>
+                  <a:lnTo>
+                    <a:pt x="179514" y="0"/>
+                  </a:lnTo>
+                  <a:lnTo>
+                    <a:pt x="171805" y="0"/>
+                  </a:lnTo>
+                  <a:lnTo>
+                    <a:pt x="165036" y="3454"/>
+                  </a:lnTo>
+                  <a:lnTo>
+                    <a:pt x="157873" y="11150"/>
+                  </a:lnTo>
+                  <a:lnTo>
+                    <a:pt x="155473" y="3581"/>
+                  </a:lnTo>
+                  <a:lnTo>
+                    <a:pt x="150964" y="0"/>
+                  </a:lnTo>
+                  <a:lnTo>
+                    <a:pt x="137947" y="0"/>
+                  </a:lnTo>
+                  <a:lnTo>
+                    <a:pt x="134239" y="1854"/>
+                  </a:lnTo>
+                  <a:lnTo>
+                    <a:pt x="123215" y="10223"/>
+                  </a:lnTo>
+                  <a:lnTo>
+                    <a:pt x="123215" y="266"/>
+                  </a:lnTo>
+                  <a:lnTo>
+                    <a:pt x="122288" y="0"/>
+                  </a:lnTo>
+                  <a:lnTo>
+                    <a:pt x="115506" y="2514"/>
+                  </a:lnTo>
+                  <a:lnTo>
+                    <a:pt x="110998" y="3975"/>
+                  </a:lnTo>
+                  <a:lnTo>
+                    <a:pt x="103695" y="5969"/>
+                  </a:lnTo>
+                  <a:lnTo>
+                    <a:pt x="103695" y="8229"/>
+                  </a:lnTo>
+                  <a:lnTo>
+                    <a:pt x="106489" y="7696"/>
+                  </a:lnTo>
+                  <a:lnTo>
+                    <a:pt x="111391" y="7696"/>
+                  </a:lnTo>
+                  <a:lnTo>
+                    <a:pt x="112585" y="9817"/>
+                  </a:lnTo>
+                  <a:lnTo>
+                    <a:pt x="112585" y="56959"/>
+                  </a:lnTo>
+                  <a:lnTo>
+                    <a:pt x="110731" y="58953"/>
+                  </a:lnTo>
+                  <a:lnTo>
+                    <a:pt x="103301" y="59080"/>
+                  </a:lnTo>
+                  <a:lnTo>
+                    <a:pt x="103301" y="61074"/>
+                  </a:lnTo>
+                  <a:lnTo>
+                    <a:pt x="132778" y="61074"/>
+                  </a:lnTo>
+                  <a:lnTo>
+                    <a:pt x="132778" y="59080"/>
+                  </a:lnTo>
+                  <a:lnTo>
+                    <a:pt x="125730" y="58813"/>
+                  </a:lnTo>
+                  <a:lnTo>
+                    <a:pt x="123748" y="57353"/>
+                  </a:lnTo>
+                  <a:lnTo>
+                    <a:pt x="123748" y="14465"/>
+                  </a:lnTo>
+                  <a:lnTo>
+                    <a:pt x="125730" y="12217"/>
+                  </a:lnTo>
+                  <a:lnTo>
+                    <a:pt x="129057" y="9156"/>
+                  </a:lnTo>
+                  <a:lnTo>
+                    <a:pt x="134759" y="6896"/>
+                  </a:lnTo>
+                  <a:lnTo>
+                    <a:pt x="145249" y="6896"/>
+                  </a:lnTo>
+                  <a:lnTo>
+                    <a:pt x="148170" y="11544"/>
+                  </a:lnTo>
+                  <a:lnTo>
+                    <a:pt x="148170" y="57086"/>
+                  </a:lnTo>
+                  <a:lnTo>
+                    <a:pt x="146710" y="58547"/>
+                  </a:lnTo>
+                  <a:lnTo>
+                    <a:pt x="139141" y="59080"/>
+                  </a:lnTo>
+                  <a:lnTo>
+                    <a:pt x="139141" y="61074"/>
+                  </a:lnTo>
+                  <a:lnTo>
+                    <a:pt x="168884" y="61074"/>
+                  </a:lnTo>
+                  <a:lnTo>
+                    <a:pt x="168884" y="59080"/>
+                  </a:lnTo>
+                  <a:lnTo>
+                    <a:pt x="161315" y="58953"/>
+                  </a:lnTo>
+                  <a:lnTo>
+                    <a:pt x="159321" y="56692"/>
+                  </a:lnTo>
+                  <a:lnTo>
+                    <a:pt x="159321" y="14998"/>
+                  </a:lnTo>
+                  <a:lnTo>
+                    <a:pt x="163309" y="9296"/>
+                  </a:lnTo>
+                  <a:lnTo>
+                    <a:pt x="167690" y="6896"/>
+                  </a:lnTo>
+                  <a:lnTo>
+                    <a:pt x="181368" y="6896"/>
+                  </a:lnTo>
+                  <a:lnTo>
+                    <a:pt x="183756" y="10490"/>
+                  </a:lnTo>
+                  <a:lnTo>
+                    <a:pt x="183756" y="57086"/>
+                  </a:lnTo>
+                  <a:lnTo>
+                    <a:pt x="182702" y="58153"/>
+                  </a:lnTo>
+                  <a:lnTo>
+                    <a:pt x="174993" y="59080"/>
+                  </a:lnTo>
+                  <a:lnTo>
+                    <a:pt x="174993" y="61074"/>
+                  </a:lnTo>
+                  <a:lnTo>
+                    <a:pt x="204076" y="61074"/>
+                  </a:lnTo>
+                  <a:lnTo>
+                    <a:pt x="204076" y="59080"/>
+                  </a:lnTo>
+                  <a:close/>
+                </a:path>
+              </a:pathLst>
+            </a:custGeom>
+            <a:solidFill>
+              <a:srgbClr val="040000"/>
+            </a:solidFill>
+          </p:spPr>
+          <p:txBody>
+            <a:bodyPr wrap="square" lIns="0" tIns="0" rIns="0" bIns="0" rtlCol="0"/>
+            <a:lstStyle/>
+            <a:p>
+              <a:endParaRPr/>
+            </a:p>
+          </p:txBody>
+        </p:sp>
+        <p:sp>
+          <p:nvSpPr>
+            <p:cNvPr id="19" name="object 11">
+              <a:extLst>
+                <a:ext uri="{FF2B5EF4-FFF2-40B4-BE49-F238E27FC236}">
+                  <a16:creationId xmlns:a16="http://schemas.microsoft.com/office/drawing/2014/main" id="{A994146F-EB95-4CE6-8AEF-C4E99D0F42E9}"/>
+                </a:ext>
+              </a:extLst>
+            </p:cNvPr>
+            <p:cNvSpPr/>
+            <p:nvPr/>
+          </p:nvSpPr>
+          <p:spPr>
+            <a:xfrm>
+              <a:off x="1940119" y="4235999"/>
+              <a:ext cx="63500" cy="60325"/>
+            </a:xfrm>
+            <a:custGeom>
+              <a:avLst/>
+              <a:gdLst/>
+              <a:ahLst/>
+              <a:cxnLst/>
+              <a:rect l="l" t="t" r="r" b="b"/>
+              <a:pathLst>
+                <a:path w="63500" h="60325">
+                  <a:moveTo>
+                    <a:pt x="60680" y="0"/>
+                  </a:moveTo>
+                  <a:lnTo>
+                    <a:pt x="57492" y="0"/>
+                  </a:lnTo>
+                  <a:lnTo>
+                    <a:pt x="53184" y="968"/>
+                  </a:lnTo>
+                  <a:lnTo>
+                    <a:pt x="48714" y="4164"/>
+                  </a:lnTo>
+                  <a:lnTo>
+                    <a:pt x="43619" y="10024"/>
+                  </a:lnTo>
+                  <a:lnTo>
+                    <a:pt x="37439" y="18986"/>
+                  </a:lnTo>
+                  <a:lnTo>
+                    <a:pt x="34124" y="2654"/>
+                  </a:lnTo>
+                  <a:lnTo>
+                    <a:pt x="32664" y="0"/>
+                  </a:lnTo>
+                  <a:lnTo>
+                    <a:pt x="26161" y="0"/>
+                  </a:lnTo>
+                  <a:lnTo>
+                    <a:pt x="21640" y="1193"/>
+                  </a:lnTo>
+                  <a:lnTo>
+                    <a:pt x="12077" y="4381"/>
+                  </a:lnTo>
+                  <a:lnTo>
+                    <a:pt x="12611" y="6375"/>
+                  </a:lnTo>
+                  <a:lnTo>
+                    <a:pt x="18859" y="4914"/>
+                  </a:lnTo>
+                  <a:lnTo>
+                    <a:pt x="23367" y="4914"/>
+                  </a:lnTo>
+                  <a:lnTo>
+                    <a:pt x="24168" y="6108"/>
+                  </a:lnTo>
+                  <a:lnTo>
+                    <a:pt x="29870" y="30403"/>
+                  </a:lnTo>
+                  <a:lnTo>
+                    <a:pt x="18986" y="45935"/>
+                  </a:lnTo>
+                  <a:lnTo>
+                    <a:pt x="16332" y="49923"/>
+                  </a:lnTo>
+                  <a:lnTo>
+                    <a:pt x="13677" y="52311"/>
+                  </a:lnTo>
+                  <a:lnTo>
+                    <a:pt x="11417" y="52311"/>
+                  </a:lnTo>
+                  <a:lnTo>
+                    <a:pt x="10096" y="51917"/>
+                  </a:lnTo>
+                  <a:lnTo>
+                    <a:pt x="7035" y="50190"/>
+                  </a:lnTo>
+                  <a:lnTo>
+                    <a:pt x="5575" y="49783"/>
+                  </a:lnTo>
+                  <a:lnTo>
+                    <a:pt x="1993" y="49783"/>
+                  </a:lnTo>
+                  <a:lnTo>
+                    <a:pt x="0" y="51777"/>
+                  </a:lnTo>
+                  <a:lnTo>
+                    <a:pt x="0" y="57886"/>
+                  </a:lnTo>
+                  <a:lnTo>
+                    <a:pt x="2654" y="60007"/>
+                  </a:lnTo>
+                  <a:lnTo>
+                    <a:pt x="10756" y="60007"/>
+                  </a:lnTo>
+                  <a:lnTo>
+                    <a:pt x="12344" y="58813"/>
+                  </a:lnTo>
+                  <a:lnTo>
+                    <a:pt x="22567" y="46469"/>
+                  </a:lnTo>
+                  <a:lnTo>
+                    <a:pt x="25361" y="42887"/>
+                  </a:lnTo>
+                  <a:lnTo>
+                    <a:pt x="30937" y="35178"/>
+                  </a:lnTo>
+                  <a:lnTo>
+                    <a:pt x="36639" y="57886"/>
+                  </a:lnTo>
+                  <a:lnTo>
+                    <a:pt x="38366" y="60007"/>
+                  </a:lnTo>
+                  <a:lnTo>
+                    <a:pt x="47663" y="60007"/>
+                  </a:lnTo>
+                  <a:lnTo>
+                    <a:pt x="51117" y="56832"/>
+                  </a:lnTo>
+                  <a:lnTo>
+                    <a:pt x="58813" y="44881"/>
+                  </a:lnTo>
+                  <a:lnTo>
+                    <a:pt x="56959" y="43814"/>
+                  </a:lnTo>
+                  <a:lnTo>
+                    <a:pt x="55232" y="45808"/>
+                  </a:lnTo>
+                  <a:lnTo>
+                    <a:pt x="50990" y="51384"/>
+                  </a:lnTo>
+                  <a:lnTo>
+                    <a:pt x="49390" y="52704"/>
+                  </a:lnTo>
+                  <a:lnTo>
+                    <a:pt x="45935" y="52704"/>
+                  </a:lnTo>
+                  <a:lnTo>
+                    <a:pt x="44742" y="50990"/>
+                  </a:lnTo>
+                  <a:lnTo>
+                    <a:pt x="38506" y="25488"/>
+                  </a:lnTo>
+                  <a:lnTo>
+                    <a:pt x="38506" y="23494"/>
+                  </a:lnTo>
+                  <a:lnTo>
+                    <a:pt x="44348" y="13271"/>
+                  </a:lnTo>
+                  <a:lnTo>
+                    <a:pt x="49123" y="7429"/>
+                  </a:lnTo>
+                  <a:lnTo>
+                    <a:pt x="52311" y="7429"/>
+                  </a:lnTo>
+                  <a:lnTo>
+                    <a:pt x="53378" y="7835"/>
+                  </a:lnTo>
+                  <a:lnTo>
+                    <a:pt x="56299" y="9423"/>
+                  </a:lnTo>
+                  <a:lnTo>
+                    <a:pt x="57226" y="9690"/>
+                  </a:lnTo>
+                  <a:lnTo>
+                    <a:pt x="61074" y="9690"/>
+                  </a:lnTo>
+                  <a:lnTo>
+                    <a:pt x="62928" y="7696"/>
+                  </a:lnTo>
+                  <a:lnTo>
+                    <a:pt x="62928" y="2120"/>
+                  </a:lnTo>
+                  <a:lnTo>
+                    <a:pt x="60680" y="0"/>
+                  </a:lnTo>
+                  <a:close/>
+                </a:path>
+              </a:pathLst>
+            </a:custGeom>
+            <a:solidFill>
+              <a:srgbClr val="040000"/>
+            </a:solidFill>
+          </p:spPr>
+          <p:txBody>
+            <a:bodyPr wrap="square" lIns="0" tIns="0" rIns="0" bIns="0" rtlCol="0"/>
+            <a:lstStyle/>
+            <a:p>
+              <a:endParaRPr/>
+            </a:p>
+          </p:txBody>
+        </p:sp>
+        <p:sp>
+          <p:nvSpPr>
+            <p:cNvPr id="20" name="object 12">
+              <a:extLst>
+                <a:ext uri="{FF2B5EF4-FFF2-40B4-BE49-F238E27FC236}">
+                  <a16:creationId xmlns:a16="http://schemas.microsoft.com/office/drawing/2014/main" id="{C40DFDC7-6E7E-4334-8A33-8E0C08784E7A}"/>
+                </a:ext>
+              </a:extLst>
+            </p:cNvPr>
+            <p:cNvSpPr/>
+            <p:nvPr/>
+          </p:nvSpPr>
+          <p:spPr>
+            <a:xfrm>
+              <a:off x="1590882" y="3855799"/>
+              <a:ext cx="60325" cy="86360"/>
+            </a:xfrm>
+            <a:custGeom>
+              <a:avLst/>
+              <a:gdLst/>
+              <a:ahLst/>
+              <a:cxnLst/>
+              <a:rect l="l" t="t" r="r" b="b"/>
+              <a:pathLst>
+                <a:path w="60325" h="86360">
+                  <a:moveTo>
+                    <a:pt x="56438" y="0"/>
+                  </a:moveTo>
+                  <a:lnTo>
+                    <a:pt x="49390" y="0"/>
+                  </a:lnTo>
+                  <a:lnTo>
+                    <a:pt x="47269" y="1993"/>
+                  </a:lnTo>
+                  <a:lnTo>
+                    <a:pt x="47269" y="6908"/>
+                  </a:lnTo>
+                  <a:lnTo>
+                    <a:pt x="48336" y="8369"/>
+                  </a:lnTo>
+                  <a:lnTo>
+                    <a:pt x="53505" y="11557"/>
+                  </a:lnTo>
+                  <a:lnTo>
+                    <a:pt x="54444" y="12750"/>
+                  </a:lnTo>
+                  <a:lnTo>
+                    <a:pt x="54444" y="14605"/>
+                  </a:lnTo>
+                  <a:lnTo>
+                    <a:pt x="53500" y="19591"/>
+                  </a:lnTo>
+                  <a:lnTo>
+                    <a:pt x="50576" y="26776"/>
+                  </a:lnTo>
+                  <a:lnTo>
+                    <a:pt x="45534" y="36473"/>
+                  </a:lnTo>
+                  <a:lnTo>
+                    <a:pt x="38239" y="48996"/>
+                  </a:lnTo>
+                  <a:lnTo>
+                    <a:pt x="35585" y="33591"/>
+                  </a:lnTo>
+                  <a:lnTo>
+                    <a:pt x="33240" y="23413"/>
+                  </a:lnTo>
+                  <a:lnTo>
+                    <a:pt x="29876" y="12414"/>
+                  </a:lnTo>
+                  <a:lnTo>
+                    <a:pt x="26512" y="3605"/>
+                  </a:lnTo>
+                  <a:lnTo>
+                    <a:pt x="24168" y="0"/>
+                  </a:lnTo>
+                  <a:lnTo>
+                    <a:pt x="23634" y="0"/>
+                  </a:lnTo>
+                  <a:lnTo>
+                    <a:pt x="23507" y="139"/>
+                  </a:lnTo>
+                  <a:lnTo>
+                    <a:pt x="21247" y="266"/>
+                  </a:lnTo>
+                  <a:lnTo>
+                    <a:pt x="5181" y="3187"/>
+                  </a:lnTo>
+                  <a:lnTo>
+                    <a:pt x="5181" y="5448"/>
+                  </a:lnTo>
+                  <a:lnTo>
+                    <a:pt x="7835" y="4914"/>
+                  </a:lnTo>
+                  <a:lnTo>
+                    <a:pt x="9296" y="4914"/>
+                  </a:lnTo>
+                  <a:lnTo>
+                    <a:pt x="28528" y="46675"/>
+                  </a:lnTo>
+                  <a:lnTo>
+                    <a:pt x="30403" y="57492"/>
+                  </a:lnTo>
+                  <a:lnTo>
+                    <a:pt x="30403" y="59626"/>
+                  </a:lnTo>
+                  <a:lnTo>
+                    <a:pt x="29616" y="61747"/>
+                  </a:lnTo>
+                  <a:lnTo>
+                    <a:pt x="27622" y="64135"/>
+                  </a:lnTo>
+                  <a:lnTo>
+                    <a:pt x="20853" y="73025"/>
+                  </a:lnTo>
+                  <a:lnTo>
+                    <a:pt x="16598" y="77546"/>
+                  </a:lnTo>
+                  <a:lnTo>
+                    <a:pt x="15011" y="78613"/>
+                  </a:lnTo>
+                  <a:lnTo>
+                    <a:pt x="12484" y="78613"/>
+                  </a:lnTo>
+                  <a:lnTo>
+                    <a:pt x="11556" y="78206"/>
+                  </a:lnTo>
+                  <a:lnTo>
+                    <a:pt x="8102" y="75552"/>
+                  </a:lnTo>
+                  <a:lnTo>
+                    <a:pt x="6642" y="74891"/>
+                  </a:lnTo>
+                  <a:lnTo>
+                    <a:pt x="2260" y="74891"/>
+                  </a:lnTo>
+                  <a:lnTo>
+                    <a:pt x="0" y="77152"/>
+                  </a:lnTo>
+                  <a:lnTo>
+                    <a:pt x="0" y="83388"/>
+                  </a:lnTo>
+                  <a:lnTo>
+                    <a:pt x="2920" y="85915"/>
+                  </a:lnTo>
+                  <a:lnTo>
+                    <a:pt x="6769" y="85915"/>
+                  </a:lnTo>
+                  <a:lnTo>
+                    <a:pt x="35863" y="58012"/>
+                  </a:lnTo>
+                  <a:lnTo>
+                    <a:pt x="56764" y="19819"/>
+                  </a:lnTo>
+                  <a:lnTo>
+                    <a:pt x="59753" y="7302"/>
+                  </a:lnTo>
+                  <a:lnTo>
+                    <a:pt x="59753" y="3327"/>
+                  </a:lnTo>
+                  <a:lnTo>
+                    <a:pt x="56438" y="0"/>
+                  </a:lnTo>
+                  <a:close/>
+                </a:path>
+              </a:pathLst>
+            </a:custGeom>
+            <a:solidFill>
+              <a:srgbClr val="040000"/>
+            </a:solidFill>
+          </p:spPr>
+          <p:txBody>
+            <a:bodyPr wrap="square" lIns="0" tIns="0" rIns="0" bIns="0" rtlCol="0"/>
+            <a:lstStyle/>
+            <a:p>
+              <a:endParaRPr/>
+            </a:p>
+          </p:txBody>
+        </p:sp>
+      </p:grpSp>
     </p:spTree>
     <p:extLst>
       <p:ext uri="{BB962C8B-B14F-4D97-AF65-F5344CB8AC3E}">
